--- a/archer/Introduction.pptx
+++ b/archer/Introduction.pptx
@@ -1102,13 +1102,8 @@
           <a:p>
             <a:r>
               <a:rPr lang="en-GB" dirty="0" smtClean="0"/>
-              <a:t>UK National Supercomputing </a:t>
-            </a:r>
-            <a:r>
-              <a:rPr lang="en-GB" dirty="0" smtClean="0"/>
-              <a:t>Service.</a:t>
-            </a:r>
-            <a:endParaRPr lang="en-GB" dirty="0" smtClean="0"/>
+              <a:t>UK National Supercomputing Service.</a:t>
+            </a:r>
           </a:p>
           <a:p>
             <a:r>
@@ -1123,18 +1118,12 @@
               <a:rPr lang="en-GB" dirty="0" smtClean="0"/>
               <a:t>/s.</a:t>
             </a:r>
-            <a:endParaRPr lang="en-GB" dirty="0" smtClean="0"/>
           </a:p>
           <a:p>
             <a:r>
               <a:rPr lang="en-GB" dirty="0" smtClean="0"/>
-              <a:t>Fastest (known) computer in the </a:t>
-            </a:r>
-            <a:r>
-              <a:rPr lang="en-GB" dirty="0" smtClean="0"/>
-              <a:t>UK.</a:t>
-            </a:r>
-            <a:endParaRPr lang="en-GB" dirty="0" smtClean="0"/>
+              <a:t>Fastest (known) computer in the UK.</a:t>
+            </a:r>
           </a:p>
           <a:p>
             <a:r>
@@ -1149,7 +1138,6 @@
               <a:rPr lang="en-GB" dirty="0" smtClean="0"/>
               <a:t>.</a:t>
             </a:r>
-            <a:endParaRPr lang="en-GB" dirty="0" smtClean="0"/>
           </a:p>
           <a:p>
             <a:r>
@@ -1168,7 +1156,6 @@
               <a:rPr lang="en-GB" dirty="0" smtClean="0"/>
               <a:t>/s.</a:t>
             </a:r>
-            <a:endParaRPr lang="en-GB" dirty="0" smtClean="0"/>
           </a:p>
           <a:p>
             <a:pPr marL="0" marR="0" indent="0" algn="l" defTabSz="914400" rtl="0" eaLnBrk="0" fontAlgn="base" latinLnBrk="0" hangingPunct="0">
@@ -1190,57 +1177,32 @@
             </a:pPr>
             <a:r>
               <a:rPr lang="en-GB" dirty="0" smtClean="0"/>
-              <a:t>Cray XC30 </a:t>
-            </a:r>
+              <a:t>Cray XC30 Hardware.</a:t>
+            </a:r>
+          </a:p>
+          <a:p>
             <a:r>
               <a:rPr lang="en-GB" dirty="0" smtClean="0"/>
-              <a:t>Hardware.</a:t>
-            </a:r>
-            <a:endParaRPr lang="en-GB" dirty="0" smtClean="0"/>
+              <a:t>Nodes based on 2×Intel Ivy Bridge 12-core processors.</a:t>
+            </a:r>
           </a:p>
           <a:p>
             <a:r>
               <a:rPr lang="en-GB" dirty="0" smtClean="0"/>
-              <a:t>Nodes based on 2×Intel Ivy Bridge 12-core </a:t>
-            </a:r>
+              <a:t>64GB (or 128GB) memory per node.</a:t>
+            </a:r>
+          </a:p>
+          <a:p>
             <a:r>
               <a:rPr lang="en-GB" dirty="0" smtClean="0"/>
-              <a:t>processors.</a:t>
-            </a:r>
-            <a:endParaRPr lang="en-GB" dirty="0" smtClean="0"/>
+              <a:t>3008 nodes in total (72,162 cores).</a:t>
+            </a:r>
           </a:p>
           <a:p>
             <a:r>
               <a:rPr lang="en-GB" dirty="0" smtClean="0"/>
-              <a:t>64GB (or 128GB) memory per </a:t>
-            </a:r>
-            <a:r>
-              <a:rPr lang="en-GB" dirty="0" smtClean="0"/>
-              <a:t>node.</a:t>
-            </a:r>
-            <a:endParaRPr lang="en-GB" dirty="0" smtClean="0"/>
-          </a:p>
-          <a:p>
-            <a:r>
-              <a:rPr lang="en-GB" dirty="0" smtClean="0"/>
-              <a:t>3008 nodes in total (72,162 cores</a:t>
-            </a:r>
-            <a:r>
-              <a:rPr lang="en-GB" dirty="0" smtClean="0"/>
-              <a:t>).</a:t>
-            </a:r>
-            <a:endParaRPr lang="en-GB" dirty="0" smtClean="0"/>
-          </a:p>
-          <a:p>
-            <a:r>
-              <a:rPr lang="en-GB" dirty="0" smtClean="0"/>
-              <a:t>Linked by Cray Aries interconnect (dragonfly topology</a:t>
-            </a:r>
-            <a:r>
-              <a:rPr lang="en-GB" dirty="0" smtClean="0"/>
-              <a:t>).</a:t>
-            </a:r>
-            <a:endParaRPr lang="en-GB" dirty="0" smtClean="0"/>
+              <a:t>Linked by Cray Aries interconnect (dragonfly topology).</a:t>
+            </a:r>
           </a:p>
           <a:p>
             <a:endParaRPr lang="en-GB" dirty="0"/>
@@ -1351,13 +1313,8 @@
             </a:r>
             <a:r>
               <a:rPr lang="en-US" baseline="0" dirty="0" smtClean="0"/>
-              <a:t> and modelling from the sub-atomic scale to the </a:t>
-            </a:r>
-            <a:r>
-              <a:rPr lang="en-US" baseline="0" dirty="0" smtClean="0"/>
-              <a:t>universe-scale.</a:t>
-            </a:r>
-            <a:endParaRPr lang="en-US" baseline="0" dirty="0" smtClean="0"/>
+              <a:t> and modelling from the sub-atomic scale to the universe-scale.</a:t>
+            </a:r>
           </a:p>
           <a:p>
             <a:pPr marL="0" marR="0" indent="0" algn="l" defTabSz="914400" rtl="0" eaLnBrk="0" fontAlgn="base" latinLnBrk="0" hangingPunct="0">
@@ -1387,13 +1344,8 @@
             </a:r>
             <a:r>
               <a:rPr lang="en-US" baseline="0" dirty="0" smtClean="0"/>
-              <a:t> data in </a:t>
-            </a:r>
-            <a:r>
-              <a:rPr lang="en-US" baseline="0" dirty="0" smtClean="0"/>
-              <a:t>parallel.</a:t>
-            </a:r>
-            <a:endParaRPr lang="en-US" baseline="0" dirty="0" smtClean="0"/>
+              <a:t> data in parallel.</a:t>
+            </a:r>
           </a:p>
           <a:p>
             <a:r>
@@ -1402,24 +1354,14 @@
             </a:r>
             <a:r>
               <a:rPr lang="en-US" baseline="0" dirty="0" smtClean="0"/>
-              <a:t> analyses more rapidly e.g. a day rather than a </a:t>
-            </a:r>
+              <a:t> analyses more rapidly e.g. a day rather than a week.</a:t>
+            </a:r>
+          </a:p>
+          <a:p>
             <a:r>
               <a:rPr lang="en-US" baseline="0" dirty="0" smtClean="0"/>
-              <a:t>week.</a:t>
-            </a:r>
-            <a:endParaRPr lang="en-US" baseline="0" dirty="0" smtClean="0"/>
-          </a:p>
-          <a:p>
-            <a:r>
-              <a:rPr lang="en-US" baseline="0" dirty="0" smtClean="0"/>
-              <a:t>Complete analyses we could not complete </a:t>
-            </a:r>
-            <a:r>
-              <a:rPr lang="en-US" baseline="0" dirty="0" smtClean="0"/>
-              <a:t>otherwise.</a:t>
-            </a:r>
-            <a:endParaRPr lang="en-US" baseline="0" dirty="0" smtClean="0"/>
+              <a:t>Complete analyses we could not complete otherwise.</a:t>
+            </a:r>
           </a:p>
           <a:p>
             <a:endParaRPr lang="en-US" baseline="0" dirty="0" smtClean="0"/>
@@ -1678,23 +1620,8 @@
               <a:rPr lang="en-GB" altLang="en-US" dirty="0" smtClean="0">
                 <a:latin typeface="Times New Roman" pitchFamily="18" charset="0"/>
               </a:rPr>
-              <a:t>negative </a:t>
-            </a:r>
-            <a:r>
-              <a:rPr lang="en-GB" altLang="en-US" dirty="0" smtClean="0">
-                <a:latin typeface="Times New Roman" pitchFamily="18" charset="0"/>
-              </a:rPr>
-              <a:t>effect on readability and maintainability, hardware is cheap, developer time is </a:t>
-            </a:r>
-            <a:r>
-              <a:rPr lang="en-GB" altLang="en-US" dirty="0" smtClean="0">
-                <a:latin typeface="Times New Roman" pitchFamily="18" charset="0"/>
-              </a:rPr>
-              <a:t>expensive.</a:t>
-            </a:r>
-            <a:endParaRPr lang="en-GB" altLang="en-US" dirty="0" smtClean="0">
-              <a:latin typeface="Times New Roman" pitchFamily="18" charset="0"/>
-            </a:endParaRPr>
+              <a:t>negative effect on readability and maintainability, hardware is cheap, developer time is expensive.</a:t>
+            </a:r>
           </a:p>
           <a:p>
             <a:r>
@@ -1725,36 +1652,15 @@
               <a:rPr lang="en-GB" altLang="en-US" dirty="0" smtClean="0">
                 <a:latin typeface="Times New Roman" pitchFamily="18" charset="0"/>
               </a:rPr>
-              <a:t>designing </a:t>
-            </a:r>
+              <a:t>designing =/= optimizing. Don't optimize until the design is correct.</a:t>
+            </a:r>
+          </a:p>
+          <a:p>
             <a:r>
               <a:rPr lang="en-GB" altLang="en-US" dirty="0" smtClean="0">
                 <a:latin typeface="Times New Roman" pitchFamily="18" charset="0"/>
               </a:rPr>
-              <a:t>=/= optimizing. Don't optimize until the design is </a:t>
-            </a:r>
-            <a:r>
-              <a:rPr lang="en-GB" altLang="en-US" dirty="0" smtClean="0">
-                <a:latin typeface="Times New Roman" pitchFamily="18" charset="0"/>
-              </a:rPr>
-              <a:t>correct.</a:t>
-            </a:r>
-            <a:endParaRPr lang="en-GB" altLang="en-US" dirty="0" smtClean="0">
-              <a:latin typeface="Times New Roman" pitchFamily="18" charset="0"/>
-            </a:endParaRPr>
-          </a:p>
-          <a:p>
-            <a:r>
-              <a:rPr lang="en-GB" altLang="en-US" dirty="0" smtClean="0">
-                <a:latin typeface="Times New Roman" pitchFamily="18" charset="0"/>
-              </a:rPr>
-              <a:t>Profile </a:t>
-            </a:r>
-            <a:r>
-              <a:rPr lang="en-GB" altLang="en-US" dirty="0" smtClean="0">
-                <a:latin typeface="Times New Roman" pitchFamily="18" charset="0"/>
-              </a:rPr>
-              <a:t>first,</a:t>
+              <a:t>Profile first,</a:t>
             </a:r>
             <a:r>
               <a:rPr lang="en-GB" altLang="en-US" baseline="0" dirty="0" smtClean="0">
@@ -1766,23 +1672,8 @@
               <a:rPr lang="en-GB" altLang="en-US" dirty="0" smtClean="0">
                 <a:latin typeface="Times New Roman" pitchFamily="18" charset="0"/>
               </a:rPr>
-              <a:t>an </a:t>
-            </a:r>
-            <a:r>
-              <a:rPr lang="en-GB" altLang="en-US" dirty="0" smtClean="0">
-                <a:latin typeface="Times New Roman" pitchFamily="18" charset="0"/>
-              </a:rPr>
-              <a:t>educated guess is still a </a:t>
-            </a:r>
-            <a:r>
-              <a:rPr lang="en-GB" altLang="en-US" dirty="0" smtClean="0">
-                <a:latin typeface="Times New Roman" pitchFamily="18" charset="0"/>
-              </a:rPr>
-              <a:t>guess.</a:t>
-            </a:r>
-            <a:endParaRPr lang="en-GB" altLang="en-US" dirty="0" smtClean="0">
-              <a:latin typeface="Times New Roman" pitchFamily="18" charset="0"/>
-            </a:endParaRPr>
+              <a:t>an educated guess is still a guess.</a:t>
+            </a:r>
           </a:p>
           <a:p>
             <a:pPr marL="0" marR="0" indent="0" algn="l" defTabSz="914400" rtl="0" eaLnBrk="0" fontAlgn="base" latinLnBrk="0" hangingPunct="0">
@@ -1804,13 +1695,8 @@
             </a:pPr>
             <a:r>
               <a:rPr lang="en-GB" dirty="0" smtClean="0"/>
-              <a:t>Dissuade novice programmers from cluttering up their programs with vain attempts at writing optimal </a:t>
-            </a:r>
-            <a:r>
-              <a:rPr lang="en-GB" dirty="0" smtClean="0"/>
-              <a:t>code.</a:t>
-            </a:r>
-            <a:endParaRPr lang="en-GB" dirty="0" smtClean="0"/>
+              <a:t>Dissuade novice programmers from cluttering up their programs with vain attempts at writing optimal code.</a:t>
+            </a:r>
           </a:p>
           <a:p>
             <a:r>
@@ -1865,19 +1751,11 @@
             </a:pPr>
             <a:r>
               <a:rPr lang="en-GB" altLang="en-US" dirty="0" smtClean="0"/>
-              <a:t>Software </a:t>
-            </a:r>
-            <a:r>
-              <a:rPr lang="en-GB" altLang="en-US" dirty="0" smtClean="0"/>
-              <a:t>developers have the skills,</a:t>
+              <a:t>Software developers have the skills,</a:t>
             </a:r>
             <a:r>
               <a:rPr lang="en-GB" altLang="en-US" baseline="0" dirty="0" smtClean="0"/>
-              <a:t> tools and techniques to help </a:t>
-            </a:r>
-            <a:r>
-              <a:rPr lang="en-GB" altLang="en-US" baseline="0" dirty="0" smtClean="0"/>
-              <a:t>us.</a:t>
+              <a:t> tools and techniques to help us.</a:t>
             </a:r>
           </a:p>
           <a:p>
@@ -2084,13 +1962,7 @@
               <a:rPr lang="en-GB" altLang="en-US" dirty="0" smtClean="0">
                 <a:latin typeface="Times New Roman" pitchFamily="18" charset="0"/>
               </a:rPr>
-              <a:t>“</a:t>
-            </a:r>
-            <a:r>
-              <a:rPr lang="en-GB" altLang="en-US" dirty="0" smtClean="0">
-                <a:latin typeface="Times New Roman" pitchFamily="18" charset="0"/>
-              </a:rPr>
-              <a:t>large preponderance of design errors over coding errors on large-scale projects, not only with respect to numbers of errors, but also with respect to the relative time and effort required to detect them and correct them”</a:t>
+              <a:t>“large preponderance of design errors over coding errors on large-scale projects, not only with respect to numbers of errors, but also with respect to the relative time and effort required to detect them and correct them”</a:t>
             </a:r>
           </a:p>
           <a:p>
@@ -2138,13 +2010,7 @@
               <a:rPr lang="en-GB" altLang="en-US" dirty="0" smtClean="0">
                 <a:latin typeface="Times New Roman" pitchFamily="18" charset="0"/>
               </a:rPr>
-              <a:t> 2001</a:t>
-            </a:r>
-            <a:r>
-              <a:rPr lang="en-GB" altLang="en-US" dirty="0" smtClean="0">
-                <a:latin typeface="Times New Roman" pitchFamily="18" charset="0"/>
-              </a:rPr>
-              <a:t>)</a:t>
+              <a:t> 2001)</a:t>
             </a:r>
           </a:p>
           <a:p>
@@ -2309,17 +2175,8 @@
               <a:rPr lang="en-GB" altLang="en-US" baseline="0" dirty="0" smtClean="0">
                 <a:latin typeface="Times New Roman" pitchFamily="18" charset="0"/>
               </a:rPr>
-              <a:t> papers from </a:t>
-            </a:r>
-            <a:r>
-              <a:rPr lang="en-GB" altLang="en-US" baseline="0" dirty="0" smtClean="0">
-                <a:latin typeface="Times New Roman" pitchFamily="18" charset="0"/>
-              </a:rPr>
-              <a:t>Science, December 2006.</a:t>
-            </a:r>
-            <a:endParaRPr lang="en-GB" altLang="en-US" baseline="0" dirty="0" smtClean="0">
-              <a:latin typeface="Times New Roman" pitchFamily="18" charset="0"/>
-            </a:endParaRPr>
+              <a:t> papers from Science, December 2006.</a:t>
+            </a:r>
           </a:p>
           <a:p>
             <a:r>
@@ -2332,13 +2189,7 @@
               <a:rPr lang="en-GB" altLang="en-US" baseline="0" dirty="0" smtClean="0">
                 <a:latin typeface="Times New Roman" pitchFamily="18" charset="0"/>
               </a:rPr>
-              <a:t> unfortunate occurrence</a:t>
-            </a:r>
-            <a:r>
-              <a:rPr lang="en-GB" altLang="en-US" baseline="0" dirty="0" smtClean="0">
-                <a:latin typeface="Times New Roman" pitchFamily="18" charset="0"/>
-              </a:rPr>
-              <a:t>!</a:t>
+              <a:t> unfortunate occurrence!</a:t>
             </a:r>
             <a:endParaRPr lang="en-GB" altLang="en-US" dirty="0" smtClean="0">
               <a:latin typeface="Times New Roman" pitchFamily="18" charset="0"/>
@@ -2816,35 +2667,20 @@
             </a:r>
             <a:r>
               <a:rPr lang="en-GB" baseline="0" dirty="0" smtClean="0"/>
-              <a:t> Carpentry boot camps, online lectures and </a:t>
-            </a:r>
+              <a:t> Carpentry boot camps, online lectures and book.</a:t>
+            </a:r>
+          </a:p>
+          <a:p>
             <a:r>
               <a:rPr lang="en-GB" baseline="0" dirty="0" smtClean="0"/>
-              <a:t>book.</a:t>
-            </a:r>
-            <a:endParaRPr lang="en-GB" baseline="0" dirty="0" smtClean="0"/>
+              <a:t>SSI, led from EPCC, are coordinators of SWC in the UK.</a:t>
+            </a:r>
           </a:p>
           <a:p>
             <a:r>
               <a:rPr lang="en-GB" baseline="0" dirty="0" smtClean="0"/>
-              <a:t>SSI, led from EPCC, are coordinators of SWC in the </a:t>
-            </a:r>
-            <a:r>
-              <a:rPr lang="en-GB" baseline="0" dirty="0" smtClean="0"/>
-              <a:t>UK.</a:t>
-            </a:r>
-            <a:endParaRPr lang="en-GB" baseline="0" dirty="0" smtClean="0"/>
-          </a:p>
-          <a:p>
-            <a:r>
-              <a:rPr lang="en-GB" baseline="0" dirty="0" smtClean="0"/>
-              <a:t>RCUK are promoting SWC to CDTs and </a:t>
-            </a:r>
-            <a:r>
-              <a:rPr lang="en-GB" baseline="0" dirty="0" smtClean="0"/>
-              <a:t>DTCs.</a:t>
-            </a:r>
-            <a:endParaRPr lang="en-GB" baseline="0" dirty="0" smtClean="0"/>
+              <a:t>RCUK are promoting SWC to CDTs and DTCs.</a:t>
+            </a:r>
           </a:p>
           <a:p>
             <a:r>
@@ -2853,13 +2689,8 @@
             </a:r>
             <a:r>
               <a:rPr lang="en-GB" baseline="0" dirty="0" smtClean="0"/>
-              <a:t> supercomputing consortium are also exploiting </a:t>
-            </a:r>
-            <a:r>
-              <a:rPr lang="en-GB" baseline="0" dirty="0" smtClean="0"/>
-              <a:t>SWC.</a:t>
-            </a:r>
-            <a:endParaRPr lang="en-GB" baseline="0" dirty="0" smtClean="0"/>
+              <a:t> supercomputing consortium are also exploiting SWC.</a:t>
+            </a:r>
           </a:p>
           <a:p>
             <a:endParaRPr lang="en-GB" baseline="0" dirty="0" smtClean="0"/>
@@ -4008,7 +3839,7 @@
           <a:p>
             <a:fld id="{173132C3-466D-EB4C-A942-AD4AB1C0C7A2}" type="datetimeFigureOut">
               <a:rPr lang="en-US" smtClean="0"/>
-              <a:t>4/1/2014</a:t>
+              <a:t>6/9/2014</a:t>
             </a:fld>
             <a:endParaRPr lang="en-US"/>
           </a:p>
@@ -6431,7 +6262,7 @@
                 </a:solidFill>
               </a:rPr>
               <a:pPr defTabSz="914400"/>
-              <a:t>4/1/2014</a:t>
+              <a:t>6/9/2014</a:t>
             </a:fld>
             <a:endParaRPr lang="en-US">
               <a:solidFill>
@@ -6698,7 +6529,7 @@
             <a:fld id="{B3AADCBB-3292-4C70-BBC1-B70D83C23A97}" type="datetime1">
               <a:rPr lang="en-GB" smtClean="0"/>
               <a:pPr/>
-              <a:t>01/04/2014</a:t>
+              <a:t>09/06/2014</a:t>
             </a:fld>
             <a:endParaRPr lang="en-GB">
               <a:solidFill>
@@ -10723,19 +10554,25 @@
           </a:p>
           <a:p>
             <a:r>
+              <a:rPr lang="en-GB" sz="2000" dirty="0"/>
+              <a:t>“Sometimes efficiency is more important than correctness” (Anonymous 2013</a:t>
+            </a:r>
+            <a:r>
+              <a:rPr lang="en-GB" sz="2000" dirty="0" smtClean="0"/>
+              <a:t>)</a:t>
+            </a:r>
+          </a:p>
+          <a:p>
+            <a:r>
               <a:rPr lang="en-GB" sz="2000" dirty="0" smtClean="0"/>
               <a:t>“</a:t>
             </a:r>
             <a:r>
               <a:rPr lang="en-GB" sz="2000" dirty="0"/>
-              <a:t>More computing sins are committed in the name of efficiency (without necessarily achieving it) than for any other single reason – Including blind stupidity” </a:t>
-            </a:r>
-            <a:r>
-              <a:rPr lang="en-GB" sz="2000" dirty="0" smtClean="0"/>
-              <a:t>(</a:t>
-            </a:r>
-            <a:r>
-              <a:rPr lang="en-GB" sz="2000" dirty="0" err="1" smtClean="0"/>
+              <a:t>More computing sins are committed in the name of efficiency (without necessarily achieving it) than for any other single reason – Including blind stupidity” (</a:t>
+            </a:r>
+            <a:r>
+              <a:rPr lang="en-GB" sz="2000" dirty="0" err="1"/>
               <a:t>Wulf</a:t>
             </a:r>
             <a:r>
@@ -10746,48 +10583,36 @@
           <a:p>
             <a:r>
               <a:rPr lang="en-GB" sz="2000" dirty="0"/>
-              <a:t>"We should forget about small efficiencies, say about 97% of the time: Premature optimization is the root of all evil.“  </a:t>
-            </a:r>
+              <a:t>"We should forget about small efficiencies, say about 97% of the time: Premature optimization is the root of all evil.“  (Knuth 1974)</a:t>
+            </a:r>
+          </a:p>
+          <a:p>
             <a:r>
               <a:rPr lang="en-GB" sz="2000" dirty="0" smtClean="0"/>
-              <a:t>(Knuth </a:t>
-            </a:r>
-            <a:r>
-              <a:rPr lang="en-GB" sz="2000" dirty="0" smtClean="0"/>
-              <a:t>1974</a:t>
+              <a:t>“</a:t>
+            </a:r>
+            <a:r>
+              <a:rPr lang="en-GB" sz="2000" dirty="0"/>
+              <a:t>performance variability that derives from differences among programmers of the same language … is on average as large or larger than the variability found among the different languages.” (</a:t>
+            </a:r>
+            <a:r>
+              <a:rPr lang="en-GB" sz="2000" dirty="0" err="1"/>
+              <a:t>Prechelt</a:t>
+            </a:r>
+            <a:r>
+              <a:rPr lang="en-GB" sz="2000" dirty="0"/>
+              <a:t> 2000</a:t>
             </a:r>
             <a:r>
               <a:rPr lang="en-GB" sz="2000" dirty="0" smtClean="0"/>
               <a:t>)</a:t>
             </a:r>
-            <a:endParaRPr lang="en-GB" sz="2000" dirty="0" smtClean="0"/>
-          </a:p>
-          <a:p>
-            <a:r>
-              <a:rPr lang="en-GB" sz="2000" dirty="0"/>
-              <a:t>“performance variability that derives from differences among programmers of the same language … is on average as large or larger than the variability found among the different languages.” (</a:t>
-            </a:r>
-            <a:r>
-              <a:rPr lang="en-GB" sz="2000" dirty="0" err="1" smtClean="0"/>
-              <a:t>Prechelt</a:t>
-            </a:r>
-            <a:r>
-              <a:rPr lang="en-GB" sz="2000" dirty="0" smtClean="0"/>
-              <a:t> 2000)</a:t>
-            </a:r>
-          </a:p>
-          <a:p>
-            <a:r>
-              <a:rPr lang="en-GB" sz="2000" dirty="0"/>
-              <a:t>“Sometimes efficiency is more important than correctness” (Anonymous 2013</a:t>
-            </a:r>
-            <a:r>
-              <a:rPr lang="en-GB" sz="2000" dirty="0" smtClean="0"/>
-              <a:t>)</a:t>
-            </a:r>
             <a:endParaRPr lang="en-GB" sz="2000" dirty="0"/>
           </a:p>
           <a:p>
+            <a:pPr marL="0" indent="0">
+              <a:buNone/>
+            </a:pPr>
             <a:endParaRPr lang="en-GB" sz="2000" dirty="0"/>
           </a:p>
         </p:txBody>

--- a/archer/Introduction.pptx
+++ b/archer/Introduction.pptx
@@ -798,7 +798,15 @@
             </a:r>
             <a:r>
               <a:rPr lang="en-GB" baseline="0" dirty="0" smtClean="0"/>
-              <a:t> Carpentry boot camps, online lectures and book.</a:t>
+              <a:t> Carpentry </a:t>
+            </a:r>
+            <a:r>
+              <a:rPr lang="en-GB" baseline="0" dirty="0" err="1" smtClean="0"/>
+              <a:t>bootcamps</a:t>
+            </a:r>
+            <a:r>
+              <a:rPr lang="en-GB" baseline="0" dirty="0" smtClean="0"/>
+              <a:t>, online lectures and book.</a:t>
             </a:r>
           </a:p>
           <a:p>
@@ -6847,7 +6855,15 @@
             <a:pPr algn="ctr"/>
             <a:r>
               <a:rPr lang="en-US" sz="4000" cap="none" dirty="0" smtClean="0"/>
-              <a:t>ARCHER Software Carpentry boot camp </a:t>
+              <a:t>ARCHER Software Carpentry </a:t>
+            </a:r>
+            <a:r>
+              <a:rPr lang="en-US" sz="4000" cap="none" dirty="0" err="1" smtClean="0"/>
+              <a:t>bootcamp</a:t>
+            </a:r>
+            <a:r>
+              <a:rPr lang="en-US" sz="4000" cap="none" dirty="0" smtClean="0"/>
+              <a:t> </a:t>
             </a:r>
             <a:endParaRPr lang="en-US" sz="4000" cap="none" dirty="0"/>
           </a:p>
@@ -6878,11 +6894,7 @@
             <a:pPr algn="r"/>
             <a:r>
               <a:rPr lang="en-US" dirty="0" smtClean="0"/>
-              <a:t>Mike Jackson, </a:t>
-            </a:r>
-            <a:r>
-              <a:rPr lang="en-US" dirty="0" smtClean="0"/>
-              <a:t>Arno </a:t>
+              <a:t>Mike Jackson, Arno </a:t>
             </a:r>
             <a:r>
               <a:rPr lang="en-US" dirty="0" err="1" smtClean="0"/>
